--- a/Image Processing Tool.pptx
+++ b/Image Processing Tool.pptx
@@ -12793,7 +12793,7 @@
         </p:spPr>
         <p:txBody>
           <a:bodyPr>
-            <a:normAutofit fontScale="92500" lnSpcReduction="10000"/>
+            <a:normAutofit fontScale="92500"/>
           </a:bodyPr>
           <a:lstStyle/>
           <a:p>
@@ -12826,7 +12826,15 @@
           <a:p>
             <a:r>
               <a:rPr lang="en-US" dirty="0"/>
-              <a:t>Use Semaphore to control concurrency (2 x CPU cores)</a:t>
+              <a:t>Use Semaphore to control </a:t>
+            </a:r>
+            <a:r>
+              <a:rPr lang="en-US"/>
+              <a:t>concurrency (CPU </a:t>
+            </a:r>
+            <a:r>
+              <a:rPr lang="en-US" dirty="0"/>
+              <a:t>cores)</a:t>
             </a:r>
           </a:p>
           <a:p>
